--- a/Midterm project.pptx
+++ b/Midterm project.pptx
@@ -13,6 +13,7 @@
     <p:sldId id="263" r:id="rId7"/>
     <p:sldId id="256" r:id="rId8"/>
     <p:sldId id="257" r:id="rId9"/>
+    <p:sldId id="264" r:id="rId10"/>
   </p:sldIdLst>
   <p:sldSz cx="12192000" cy="6858000"/>
   <p:notesSz cx="6858000" cy="9144000"/>
@@ -11047,6 +11048,143 @@
 </p:sld>
 </file>
 
+<file path=ppt/slides/slide9.xml><?xml version="1.0" encoding="utf-8"?>
+<p:sld xmlns:a="http://schemas.openxmlformats.org/drawingml/2006/main" xmlns:r="http://schemas.openxmlformats.org/officeDocument/2006/relationships" xmlns:p="http://schemas.openxmlformats.org/presentationml/2006/main">
+  <p:cSld>
+    <p:bg>
+      <p:bgPr>
+        <a:blipFill>
+          <a:blip r:embed="rId2"/>
+          <a:tile tx="0" ty="0" sx="100000" sy="100000" flip="none" algn="tl"/>
+        </a:blipFill>
+        <a:effectLst/>
+      </p:bgPr>
+    </p:bg>
+    <p:spTree>
+      <p:nvGrpSpPr>
+        <p:cNvPr id="1" name=""/>
+        <p:cNvGrpSpPr/>
+        <p:nvPr/>
+      </p:nvGrpSpPr>
+      <p:grpSpPr>
+        <a:xfrm>
+          <a:off x="0" y="0"/>
+          <a:ext cx="0" cy="0"/>
+          <a:chOff x="0" y="0"/>
+          <a:chExt cx="0" cy="0"/>
+        </a:xfrm>
+      </p:grpSpPr>
+      <p:sp>
+        <p:nvSpPr>
+          <p:cNvPr id="3" name="內容版面配置區 2"/>
+          <p:cNvSpPr>
+            <a:spLocks noGrp="1"/>
+          </p:cNvSpPr>
+          <p:nvPr>
+            <p:ph idx="1"/>
+          </p:nvPr>
+        </p:nvSpPr>
+        <p:spPr>
+          <a:xfrm>
+            <a:off x="2589212" y="624110"/>
+            <a:ext cx="8915400" cy="5287112"/>
+          </a:xfrm>
+        </p:spPr>
+        <p:txBody>
+          <a:bodyPr/>
+          <a:lstStyle/>
+          <a:p>
+            <a:pPr marL="0" indent="0">
+              <a:buNone/>
+            </a:pPr>
+            <a:endParaRPr lang="zh-TW" altLang="en-US" dirty="0"/>
+          </a:p>
+        </p:txBody>
+      </p:sp>
+      <p:sp>
+        <p:nvSpPr>
+          <p:cNvPr id="2" name="標題 1"/>
+          <p:cNvSpPr>
+            <a:spLocks noGrp="1"/>
+          </p:cNvSpPr>
+          <p:nvPr>
+            <p:ph type="title"/>
+          </p:nvPr>
+        </p:nvSpPr>
+        <p:spPr>
+          <a:xfrm>
+            <a:off x="1788161" y="624110"/>
+            <a:ext cx="9716452" cy="5287112"/>
+          </a:xfrm>
+          <a:noFill/>
+        </p:spPr>
+        <p:txBody>
+          <a:bodyPr/>
+          <a:lstStyle/>
+          <a:p>
+            <a:pPr algn="ctr"/>
+            <a:r>
+              <a:rPr lang="en-US" altLang="zh-TW" dirty="0" smtClean="0"/>
+              <a:t/>
+            </a:r>
+            <a:br>
+              <a:rPr lang="en-US" altLang="zh-TW" dirty="0" smtClean="0"/>
+            </a:br>
+            <a:r>
+              <a:rPr lang="en-US" altLang="zh-TW" dirty="0"/>
+              <a:t/>
+            </a:r>
+            <a:br>
+              <a:rPr lang="en-US" altLang="zh-TW" dirty="0"/>
+            </a:br>
+            <a:r>
+              <a:rPr lang="en-US" altLang="zh-TW" dirty="0" smtClean="0"/>
+              <a:t/>
+            </a:r>
+            <a:br>
+              <a:rPr lang="en-US" altLang="zh-TW" dirty="0" smtClean="0"/>
+            </a:br>
+            <a:r>
+              <a:rPr lang="en-US" altLang="zh-TW" dirty="0"/>
+              <a:t/>
+            </a:r>
+            <a:br>
+              <a:rPr lang="en-US" altLang="zh-TW" dirty="0"/>
+            </a:br>
+            <a:r>
+              <a:rPr lang="en-US" altLang="zh-TW" sz="8000" dirty="0" smtClean="0">
+                <a:solidFill>
+                  <a:schemeClr val="tx1"/>
+                </a:solidFill>
+                <a:latin typeface="Times New Roman" panose="02020603050405020304" pitchFamily="18" charset="0"/>
+                <a:cs typeface="Times New Roman" panose="02020603050405020304" pitchFamily="18" charset="0"/>
+                <a:hlinkClick r:id="rId3"/>
+              </a:rPr>
+              <a:t>DEMO</a:t>
+            </a:r>
+            <a:endParaRPr lang="zh-TW" altLang="en-US" sz="8000" dirty="0">
+              <a:solidFill>
+                <a:schemeClr val="tx1"/>
+              </a:solidFill>
+              <a:latin typeface="Times New Roman" panose="02020603050405020304" pitchFamily="18" charset="0"/>
+              <a:cs typeface="Times New Roman" panose="02020603050405020304" pitchFamily="18" charset="0"/>
+            </a:endParaRPr>
+          </a:p>
+        </p:txBody>
+      </p:sp>
+    </p:spTree>
+    <p:extLst>
+      <p:ext uri="{BB962C8B-B14F-4D97-AF65-F5344CB8AC3E}">
+        <p14:creationId xmlns:p14="http://schemas.microsoft.com/office/powerpoint/2010/main" val="3767599080"/>
+      </p:ext>
+    </p:extLst>
+  </p:cSld>
+  <p:clrMapOvr>
+    <a:masterClrMapping/>
+  </p:clrMapOvr>
+</p:sld>
+</file>
+
 <file path=ppt/theme/theme1.xml><?xml version="1.0" encoding="utf-8"?>
 <a:theme xmlns:a="http://schemas.openxmlformats.org/drawingml/2006/main" name="絲縷">
   <a:themeElements>
